--- a/ppt 16-9/0703.盼望弥赛亚回来.pptx
+++ b/ppt 16-9/0703.盼望弥赛亚回来.pptx
@@ -129,7 +129,7 @@
           <p:cNvPr id="2" name="标题 1">
             <a:extLst>
               <a:ext uri="{FF2B5EF4-FFF2-40B4-BE49-F238E27FC236}">
-                <a16:creationId xmlns:a16="http://schemas.microsoft.com/office/drawing/2014/main" id="{42A04A3F-C2F8-C1AB-01AD-320182008EF8}"/>
+                <a16:creationId xmlns:a16="http://schemas.microsoft.com/office/drawing/2014/main" id="{FF46C3D2-2D70-2447-37B0-24CB032C9C21}"/>
               </a:ext>
             </a:extLst>
           </p:cNvPr>
@@ -166,7 +166,7 @@
           <p:cNvPr id="3" name="副标题 2">
             <a:extLst>
               <a:ext uri="{FF2B5EF4-FFF2-40B4-BE49-F238E27FC236}">
-                <a16:creationId xmlns:a16="http://schemas.microsoft.com/office/drawing/2014/main" id="{485EE269-1211-A6D4-27FC-93D0A35079E9}"/>
+                <a16:creationId xmlns:a16="http://schemas.microsoft.com/office/drawing/2014/main" id="{0D71FB72-3C32-7C4B-CF67-113A4889C8CB}"/>
               </a:ext>
             </a:extLst>
           </p:cNvPr>
@@ -236,7 +236,7 @@
           <p:cNvPr id="4" name="日期占位符 3">
             <a:extLst>
               <a:ext uri="{FF2B5EF4-FFF2-40B4-BE49-F238E27FC236}">
-                <a16:creationId xmlns:a16="http://schemas.microsoft.com/office/drawing/2014/main" id="{0F45EFC0-810F-77DE-8C8D-FAB9AFDC01FF}"/>
+                <a16:creationId xmlns:a16="http://schemas.microsoft.com/office/drawing/2014/main" id="{5F9A8EAE-05C6-1274-BB0A-0A7BFB10CA46}"/>
               </a:ext>
             </a:extLst>
           </p:cNvPr>
@@ -252,7 +252,7 @@
           <a:bodyPr/>
           <a:lstStyle/>
           <a:p>
-            <a:fld id="{4870EBCB-CFED-43BE-B437-905F8C795DEF}" type="datetimeFigureOut">
+            <a:fld id="{2584E5A7-E845-48B5-8128-FFE613E8CBDF}" type="datetimeFigureOut">
               <a:rPr lang="zh-CN" altLang="en-US" smtClean="0"/>
               <a:t>2024/3/10</a:t>
             </a:fld>
@@ -265,7 +265,7 @@
           <p:cNvPr id="5" name="页脚占位符 4">
             <a:extLst>
               <a:ext uri="{FF2B5EF4-FFF2-40B4-BE49-F238E27FC236}">
-                <a16:creationId xmlns:a16="http://schemas.microsoft.com/office/drawing/2014/main" id="{D26ED2B4-D395-9387-8BA4-A0F53F9ED33C}"/>
+                <a16:creationId xmlns:a16="http://schemas.microsoft.com/office/drawing/2014/main" id="{9590ED7D-5550-35D2-E3AE-DCC9B9409542}"/>
               </a:ext>
             </a:extLst>
           </p:cNvPr>
@@ -290,7 +290,7 @@
           <p:cNvPr id="6" name="灯片编号占位符 5">
             <a:extLst>
               <a:ext uri="{FF2B5EF4-FFF2-40B4-BE49-F238E27FC236}">
-                <a16:creationId xmlns:a16="http://schemas.microsoft.com/office/drawing/2014/main" id="{998CF093-298C-BB9B-7838-FD6389B7972D}"/>
+                <a16:creationId xmlns:a16="http://schemas.microsoft.com/office/drawing/2014/main" id="{0518F745-37B1-1D8F-C40E-CEEC34AF11D7}"/>
               </a:ext>
             </a:extLst>
           </p:cNvPr>
@@ -306,7 +306,7 @@
           <a:bodyPr/>
           <a:lstStyle/>
           <a:p>
-            <a:fld id="{00FECCB9-5A8D-4E49-8A97-EC03F3707EC4}" type="slidenum">
+            <a:fld id="{0E989BB3-9EFF-4389-9771-83A48B4A94C1}" type="slidenum">
               <a:rPr lang="zh-CN" altLang="en-US" smtClean="0"/>
               <a:t>‹#›</a:t>
             </a:fld>
@@ -317,7 +317,7 @@
     </p:spTree>
     <p:extLst>
       <p:ext uri="{BB962C8B-B14F-4D97-AF65-F5344CB8AC3E}">
-        <p14:creationId xmlns:p14="http://schemas.microsoft.com/office/powerpoint/2010/main" val="299337840"/>
+        <p14:creationId xmlns:p14="http://schemas.microsoft.com/office/powerpoint/2010/main" val="3342101203"/>
       </p:ext>
     </p:extLst>
   </p:cSld>
@@ -349,7 +349,7 @@
           <p:cNvPr id="2" name="标题 1">
             <a:extLst>
               <a:ext uri="{FF2B5EF4-FFF2-40B4-BE49-F238E27FC236}">
-                <a16:creationId xmlns:a16="http://schemas.microsoft.com/office/drawing/2014/main" id="{A1BEA588-FC2C-A92E-E4F5-1B9E63351D3F}"/>
+                <a16:creationId xmlns:a16="http://schemas.microsoft.com/office/drawing/2014/main" id="{B385F950-84BE-FF82-1AFB-281F8F9E02D7}"/>
               </a:ext>
             </a:extLst>
           </p:cNvPr>
@@ -377,7 +377,7 @@
           <p:cNvPr id="3" name="竖排文字占位符 2">
             <a:extLst>
               <a:ext uri="{FF2B5EF4-FFF2-40B4-BE49-F238E27FC236}">
-                <a16:creationId xmlns:a16="http://schemas.microsoft.com/office/drawing/2014/main" id="{3EFF76E4-CF8A-F79A-BD7B-F351267A0751}"/>
+                <a16:creationId xmlns:a16="http://schemas.microsoft.com/office/drawing/2014/main" id="{080A0192-3B4F-68DB-1E6D-99783F56B8A6}"/>
               </a:ext>
             </a:extLst>
           </p:cNvPr>
@@ -434,7 +434,7 @@
           <p:cNvPr id="4" name="日期占位符 3">
             <a:extLst>
               <a:ext uri="{FF2B5EF4-FFF2-40B4-BE49-F238E27FC236}">
-                <a16:creationId xmlns:a16="http://schemas.microsoft.com/office/drawing/2014/main" id="{410FE1BF-27D1-EB59-77DA-E20D67086164}"/>
+                <a16:creationId xmlns:a16="http://schemas.microsoft.com/office/drawing/2014/main" id="{31329AFA-BBEA-D154-2359-42A47495F3D7}"/>
               </a:ext>
             </a:extLst>
           </p:cNvPr>
@@ -450,7 +450,7 @@
           <a:bodyPr/>
           <a:lstStyle/>
           <a:p>
-            <a:fld id="{4870EBCB-CFED-43BE-B437-905F8C795DEF}" type="datetimeFigureOut">
+            <a:fld id="{2584E5A7-E845-48B5-8128-FFE613E8CBDF}" type="datetimeFigureOut">
               <a:rPr lang="zh-CN" altLang="en-US" smtClean="0"/>
               <a:t>2024/3/10</a:t>
             </a:fld>
@@ -463,7 +463,7 @@
           <p:cNvPr id="5" name="页脚占位符 4">
             <a:extLst>
               <a:ext uri="{FF2B5EF4-FFF2-40B4-BE49-F238E27FC236}">
-                <a16:creationId xmlns:a16="http://schemas.microsoft.com/office/drawing/2014/main" id="{0E1AF832-B318-FF54-B071-B955CB80D511}"/>
+                <a16:creationId xmlns:a16="http://schemas.microsoft.com/office/drawing/2014/main" id="{C5735FA0-A73E-5273-7D57-012978B06DDF}"/>
               </a:ext>
             </a:extLst>
           </p:cNvPr>
@@ -488,7 +488,7 @@
           <p:cNvPr id="6" name="灯片编号占位符 5">
             <a:extLst>
               <a:ext uri="{FF2B5EF4-FFF2-40B4-BE49-F238E27FC236}">
-                <a16:creationId xmlns:a16="http://schemas.microsoft.com/office/drawing/2014/main" id="{99546200-7605-D451-0477-799C5CA546E7}"/>
+                <a16:creationId xmlns:a16="http://schemas.microsoft.com/office/drawing/2014/main" id="{877EE7C3-B052-6C48-E5B3-BAF5C65EAF5C}"/>
               </a:ext>
             </a:extLst>
           </p:cNvPr>
@@ -504,7 +504,7 @@
           <a:bodyPr/>
           <a:lstStyle/>
           <a:p>
-            <a:fld id="{00FECCB9-5A8D-4E49-8A97-EC03F3707EC4}" type="slidenum">
+            <a:fld id="{0E989BB3-9EFF-4389-9771-83A48B4A94C1}" type="slidenum">
               <a:rPr lang="zh-CN" altLang="en-US" smtClean="0"/>
               <a:t>‹#›</a:t>
             </a:fld>
@@ -515,7 +515,7 @@
     </p:spTree>
     <p:extLst>
       <p:ext uri="{BB962C8B-B14F-4D97-AF65-F5344CB8AC3E}">
-        <p14:creationId xmlns:p14="http://schemas.microsoft.com/office/powerpoint/2010/main" val="3137813256"/>
+        <p14:creationId xmlns:p14="http://schemas.microsoft.com/office/powerpoint/2010/main" val="308553602"/>
       </p:ext>
     </p:extLst>
   </p:cSld>
@@ -547,7 +547,7 @@
           <p:cNvPr id="2" name="竖排标题 1">
             <a:extLst>
               <a:ext uri="{FF2B5EF4-FFF2-40B4-BE49-F238E27FC236}">
-                <a16:creationId xmlns:a16="http://schemas.microsoft.com/office/drawing/2014/main" id="{43B17E1A-6FFE-0237-DC8C-F589798DD147}"/>
+                <a16:creationId xmlns:a16="http://schemas.microsoft.com/office/drawing/2014/main" id="{3F4D0345-BDB8-0F41-7315-00BA619FED60}"/>
               </a:ext>
             </a:extLst>
           </p:cNvPr>
@@ -580,7 +580,7 @@
           <p:cNvPr id="3" name="竖排文字占位符 2">
             <a:extLst>
               <a:ext uri="{FF2B5EF4-FFF2-40B4-BE49-F238E27FC236}">
-                <a16:creationId xmlns:a16="http://schemas.microsoft.com/office/drawing/2014/main" id="{3C029905-88C8-ED68-647A-092CBDE50C50}"/>
+                <a16:creationId xmlns:a16="http://schemas.microsoft.com/office/drawing/2014/main" id="{201DAD8A-F4E0-0FAD-3085-34D3F362E3EC}"/>
               </a:ext>
             </a:extLst>
           </p:cNvPr>
@@ -642,7 +642,7 @@
           <p:cNvPr id="4" name="日期占位符 3">
             <a:extLst>
               <a:ext uri="{FF2B5EF4-FFF2-40B4-BE49-F238E27FC236}">
-                <a16:creationId xmlns:a16="http://schemas.microsoft.com/office/drawing/2014/main" id="{6F31BC91-3489-9C3B-B2FC-C8411F6739D2}"/>
+                <a16:creationId xmlns:a16="http://schemas.microsoft.com/office/drawing/2014/main" id="{77C0CA5E-7795-FBFF-49AE-181BC81251E3}"/>
               </a:ext>
             </a:extLst>
           </p:cNvPr>
@@ -658,7 +658,7 @@
           <a:bodyPr/>
           <a:lstStyle/>
           <a:p>
-            <a:fld id="{4870EBCB-CFED-43BE-B437-905F8C795DEF}" type="datetimeFigureOut">
+            <a:fld id="{2584E5A7-E845-48B5-8128-FFE613E8CBDF}" type="datetimeFigureOut">
               <a:rPr lang="zh-CN" altLang="en-US" smtClean="0"/>
               <a:t>2024/3/10</a:t>
             </a:fld>
@@ -671,7 +671,7 @@
           <p:cNvPr id="5" name="页脚占位符 4">
             <a:extLst>
               <a:ext uri="{FF2B5EF4-FFF2-40B4-BE49-F238E27FC236}">
-                <a16:creationId xmlns:a16="http://schemas.microsoft.com/office/drawing/2014/main" id="{F468720F-FADE-04CB-A569-7779C30A12CC}"/>
+                <a16:creationId xmlns:a16="http://schemas.microsoft.com/office/drawing/2014/main" id="{D972010F-51DB-8D3C-15CB-19824F2EAE5F}"/>
               </a:ext>
             </a:extLst>
           </p:cNvPr>
@@ -696,7 +696,7 @@
           <p:cNvPr id="6" name="灯片编号占位符 5">
             <a:extLst>
               <a:ext uri="{FF2B5EF4-FFF2-40B4-BE49-F238E27FC236}">
-                <a16:creationId xmlns:a16="http://schemas.microsoft.com/office/drawing/2014/main" id="{C49A56B6-EC3E-DF2C-CBC8-968FE0CF4353}"/>
+                <a16:creationId xmlns:a16="http://schemas.microsoft.com/office/drawing/2014/main" id="{2401D3FC-2462-A808-24E7-A96D7F0EF10F}"/>
               </a:ext>
             </a:extLst>
           </p:cNvPr>
@@ -712,7 +712,7 @@
           <a:bodyPr/>
           <a:lstStyle/>
           <a:p>
-            <a:fld id="{00FECCB9-5A8D-4E49-8A97-EC03F3707EC4}" type="slidenum">
+            <a:fld id="{0E989BB3-9EFF-4389-9771-83A48B4A94C1}" type="slidenum">
               <a:rPr lang="zh-CN" altLang="en-US" smtClean="0"/>
               <a:t>‹#›</a:t>
             </a:fld>
@@ -723,7 +723,7 @@
     </p:spTree>
     <p:extLst>
       <p:ext uri="{BB962C8B-B14F-4D97-AF65-F5344CB8AC3E}">
-        <p14:creationId xmlns:p14="http://schemas.microsoft.com/office/powerpoint/2010/main" val="1484049714"/>
+        <p14:creationId xmlns:p14="http://schemas.microsoft.com/office/powerpoint/2010/main" val="125590772"/>
       </p:ext>
     </p:extLst>
   </p:cSld>
@@ -755,7 +755,7 @@
           <p:cNvPr id="2" name="标题 1">
             <a:extLst>
               <a:ext uri="{FF2B5EF4-FFF2-40B4-BE49-F238E27FC236}">
-                <a16:creationId xmlns:a16="http://schemas.microsoft.com/office/drawing/2014/main" id="{31C495E2-4C17-240C-47A6-041CCCFCFD3E}"/>
+                <a16:creationId xmlns:a16="http://schemas.microsoft.com/office/drawing/2014/main" id="{E0619A21-FE7C-59D3-B997-1C7A8AAF7C9D}"/>
               </a:ext>
             </a:extLst>
           </p:cNvPr>
@@ -783,7 +783,7 @@
           <p:cNvPr id="3" name="内容占位符 2">
             <a:extLst>
               <a:ext uri="{FF2B5EF4-FFF2-40B4-BE49-F238E27FC236}">
-                <a16:creationId xmlns:a16="http://schemas.microsoft.com/office/drawing/2014/main" id="{A6C40A36-AB4D-77F3-CB9E-FBEACFE9EDEB}"/>
+                <a16:creationId xmlns:a16="http://schemas.microsoft.com/office/drawing/2014/main" id="{C35EFFD6-B89C-A3F9-CDEF-0E7281EF7800}"/>
               </a:ext>
             </a:extLst>
           </p:cNvPr>
@@ -840,7 +840,7 @@
           <p:cNvPr id="4" name="日期占位符 3">
             <a:extLst>
               <a:ext uri="{FF2B5EF4-FFF2-40B4-BE49-F238E27FC236}">
-                <a16:creationId xmlns:a16="http://schemas.microsoft.com/office/drawing/2014/main" id="{4B9B83D8-B704-B16D-BD20-5243968E8C20}"/>
+                <a16:creationId xmlns:a16="http://schemas.microsoft.com/office/drawing/2014/main" id="{92153FF0-CE06-5954-77B0-69A7D5FAC8F9}"/>
               </a:ext>
             </a:extLst>
           </p:cNvPr>
@@ -856,7 +856,7 @@
           <a:bodyPr/>
           <a:lstStyle/>
           <a:p>
-            <a:fld id="{4870EBCB-CFED-43BE-B437-905F8C795DEF}" type="datetimeFigureOut">
+            <a:fld id="{2584E5A7-E845-48B5-8128-FFE613E8CBDF}" type="datetimeFigureOut">
               <a:rPr lang="zh-CN" altLang="en-US" smtClean="0"/>
               <a:t>2024/3/10</a:t>
             </a:fld>
@@ -869,7 +869,7 @@
           <p:cNvPr id="5" name="页脚占位符 4">
             <a:extLst>
               <a:ext uri="{FF2B5EF4-FFF2-40B4-BE49-F238E27FC236}">
-                <a16:creationId xmlns:a16="http://schemas.microsoft.com/office/drawing/2014/main" id="{403CFFC5-5136-FD38-F053-D10244F5996F}"/>
+                <a16:creationId xmlns:a16="http://schemas.microsoft.com/office/drawing/2014/main" id="{9FDADCFC-44A0-FC68-80BC-877B994F5351}"/>
               </a:ext>
             </a:extLst>
           </p:cNvPr>
@@ -894,7 +894,7 @@
           <p:cNvPr id="6" name="灯片编号占位符 5">
             <a:extLst>
               <a:ext uri="{FF2B5EF4-FFF2-40B4-BE49-F238E27FC236}">
-                <a16:creationId xmlns:a16="http://schemas.microsoft.com/office/drawing/2014/main" id="{D1EF7D47-8FEE-7D40-377A-20E9819B73DF}"/>
+                <a16:creationId xmlns:a16="http://schemas.microsoft.com/office/drawing/2014/main" id="{FB267947-EBFA-58F6-7F06-028DBB007942}"/>
               </a:ext>
             </a:extLst>
           </p:cNvPr>
@@ -910,7 +910,7 @@
           <a:bodyPr/>
           <a:lstStyle/>
           <a:p>
-            <a:fld id="{00FECCB9-5A8D-4E49-8A97-EC03F3707EC4}" type="slidenum">
+            <a:fld id="{0E989BB3-9EFF-4389-9771-83A48B4A94C1}" type="slidenum">
               <a:rPr lang="zh-CN" altLang="en-US" smtClean="0"/>
               <a:t>‹#›</a:t>
             </a:fld>
@@ -921,7 +921,7 @@
     </p:spTree>
     <p:extLst>
       <p:ext uri="{BB962C8B-B14F-4D97-AF65-F5344CB8AC3E}">
-        <p14:creationId xmlns:p14="http://schemas.microsoft.com/office/powerpoint/2010/main" val="3616257493"/>
+        <p14:creationId xmlns:p14="http://schemas.microsoft.com/office/powerpoint/2010/main" val="1040503073"/>
       </p:ext>
     </p:extLst>
   </p:cSld>
@@ -953,7 +953,7 @@
           <p:cNvPr id="2" name="标题 1">
             <a:extLst>
               <a:ext uri="{FF2B5EF4-FFF2-40B4-BE49-F238E27FC236}">
-                <a16:creationId xmlns:a16="http://schemas.microsoft.com/office/drawing/2014/main" id="{48F82638-05FA-37D7-A36F-8C9420632932}"/>
+                <a16:creationId xmlns:a16="http://schemas.microsoft.com/office/drawing/2014/main" id="{F2BD802D-E1F0-2750-C5F0-91D41281EA4A}"/>
               </a:ext>
             </a:extLst>
           </p:cNvPr>
@@ -990,7 +990,7 @@
           <p:cNvPr id="3" name="文本占位符 2">
             <a:extLst>
               <a:ext uri="{FF2B5EF4-FFF2-40B4-BE49-F238E27FC236}">
-                <a16:creationId xmlns:a16="http://schemas.microsoft.com/office/drawing/2014/main" id="{AD328CC7-450E-3FB7-810E-C7FD37609031}"/>
+                <a16:creationId xmlns:a16="http://schemas.microsoft.com/office/drawing/2014/main" id="{5168430A-604F-989C-6B02-E757B2BB3140}"/>
               </a:ext>
             </a:extLst>
           </p:cNvPr>
@@ -1115,7 +1115,7 @@
           <p:cNvPr id="4" name="日期占位符 3">
             <a:extLst>
               <a:ext uri="{FF2B5EF4-FFF2-40B4-BE49-F238E27FC236}">
-                <a16:creationId xmlns:a16="http://schemas.microsoft.com/office/drawing/2014/main" id="{F72DE942-5456-85E2-9F8D-E30692BB830C}"/>
+                <a16:creationId xmlns:a16="http://schemas.microsoft.com/office/drawing/2014/main" id="{F3C8BA7D-3A3D-BBCB-6FE6-B5C0BCFA2EE5}"/>
               </a:ext>
             </a:extLst>
           </p:cNvPr>
@@ -1131,7 +1131,7 @@
           <a:bodyPr/>
           <a:lstStyle/>
           <a:p>
-            <a:fld id="{4870EBCB-CFED-43BE-B437-905F8C795DEF}" type="datetimeFigureOut">
+            <a:fld id="{2584E5A7-E845-48B5-8128-FFE613E8CBDF}" type="datetimeFigureOut">
               <a:rPr lang="zh-CN" altLang="en-US" smtClean="0"/>
               <a:t>2024/3/10</a:t>
             </a:fld>
@@ -1144,7 +1144,7 @@
           <p:cNvPr id="5" name="页脚占位符 4">
             <a:extLst>
               <a:ext uri="{FF2B5EF4-FFF2-40B4-BE49-F238E27FC236}">
-                <a16:creationId xmlns:a16="http://schemas.microsoft.com/office/drawing/2014/main" id="{A4E6B32D-6762-CC99-4985-9CE0E2D78B8F}"/>
+                <a16:creationId xmlns:a16="http://schemas.microsoft.com/office/drawing/2014/main" id="{51983C6F-C36A-22AD-EF88-3F4002C6A2D9}"/>
               </a:ext>
             </a:extLst>
           </p:cNvPr>
@@ -1169,7 +1169,7 @@
           <p:cNvPr id="6" name="灯片编号占位符 5">
             <a:extLst>
               <a:ext uri="{FF2B5EF4-FFF2-40B4-BE49-F238E27FC236}">
-                <a16:creationId xmlns:a16="http://schemas.microsoft.com/office/drawing/2014/main" id="{72527F0B-2030-0D1A-110F-B1F3E969DF9A}"/>
+                <a16:creationId xmlns:a16="http://schemas.microsoft.com/office/drawing/2014/main" id="{8898E0F3-47AA-FD14-01E4-4F691BB26BD8}"/>
               </a:ext>
             </a:extLst>
           </p:cNvPr>
@@ -1185,7 +1185,7 @@
           <a:bodyPr/>
           <a:lstStyle/>
           <a:p>
-            <a:fld id="{00FECCB9-5A8D-4E49-8A97-EC03F3707EC4}" type="slidenum">
+            <a:fld id="{0E989BB3-9EFF-4389-9771-83A48B4A94C1}" type="slidenum">
               <a:rPr lang="zh-CN" altLang="en-US" smtClean="0"/>
               <a:t>‹#›</a:t>
             </a:fld>
@@ -1196,7 +1196,7 @@
     </p:spTree>
     <p:extLst>
       <p:ext uri="{BB962C8B-B14F-4D97-AF65-F5344CB8AC3E}">
-        <p14:creationId xmlns:p14="http://schemas.microsoft.com/office/powerpoint/2010/main" val="2717980331"/>
+        <p14:creationId xmlns:p14="http://schemas.microsoft.com/office/powerpoint/2010/main" val="2638596913"/>
       </p:ext>
     </p:extLst>
   </p:cSld>
@@ -1228,7 +1228,7 @@
           <p:cNvPr id="2" name="标题 1">
             <a:extLst>
               <a:ext uri="{FF2B5EF4-FFF2-40B4-BE49-F238E27FC236}">
-                <a16:creationId xmlns:a16="http://schemas.microsoft.com/office/drawing/2014/main" id="{821B2154-84F7-3644-2D7F-7C71E94ED251}"/>
+                <a16:creationId xmlns:a16="http://schemas.microsoft.com/office/drawing/2014/main" id="{227C9F9A-40C9-14CC-C561-EB78379C4D66}"/>
               </a:ext>
             </a:extLst>
           </p:cNvPr>
@@ -1256,7 +1256,7 @@
           <p:cNvPr id="3" name="内容占位符 2">
             <a:extLst>
               <a:ext uri="{FF2B5EF4-FFF2-40B4-BE49-F238E27FC236}">
-                <a16:creationId xmlns:a16="http://schemas.microsoft.com/office/drawing/2014/main" id="{F78D2AEC-5601-42BA-D5A6-F262436D6734}"/>
+                <a16:creationId xmlns:a16="http://schemas.microsoft.com/office/drawing/2014/main" id="{BD72FD6F-87F9-7232-DC99-16B63E6A0E7E}"/>
               </a:ext>
             </a:extLst>
           </p:cNvPr>
@@ -1318,7 +1318,7 @@
           <p:cNvPr id="4" name="内容占位符 3">
             <a:extLst>
               <a:ext uri="{FF2B5EF4-FFF2-40B4-BE49-F238E27FC236}">
-                <a16:creationId xmlns:a16="http://schemas.microsoft.com/office/drawing/2014/main" id="{8F4264B4-EB85-E7EB-B6D9-040FCAA7A6A2}"/>
+                <a16:creationId xmlns:a16="http://schemas.microsoft.com/office/drawing/2014/main" id="{599A864C-319E-0432-0393-7D43649BBA8D}"/>
               </a:ext>
             </a:extLst>
           </p:cNvPr>
@@ -1380,7 +1380,7 @@
           <p:cNvPr id="5" name="日期占位符 4">
             <a:extLst>
               <a:ext uri="{FF2B5EF4-FFF2-40B4-BE49-F238E27FC236}">
-                <a16:creationId xmlns:a16="http://schemas.microsoft.com/office/drawing/2014/main" id="{7D84DDF8-80A5-2224-A7C8-D3F6E8E5CC29}"/>
+                <a16:creationId xmlns:a16="http://schemas.microsoft.com/office/drawing/2014/main" id="{B762AA6C-4D3A-9FCC-406B-D79FAD51F24F}"/>
               </a:ext>
             </a:extLst>
           </p:cNvPr>
@@ -1396,7 +1396,7 @@
           <a:bodyPr/>
           <a:lstStyle/>
           <a:p>
-            <a:fld id="{4870EBCB-CFED-43BE-B437-905F8C795DEF}" type="datetimeFigureOut">
+            <a:fld id="{2584E5A7-E845-48B5-8128-FFE613E8CBDF}" type="datetimeFigureOut">
               <a:rPr lang="zh-CN" altLang="en-US" smtClean="0"/>
               <a:t>2024/3/10</a:t>
             </a:fld>
@@ -1409,7 +1409,7 @@
           <p:cNvPr id="6" name="页脚占位符 5">
             <a:extLst>
               <a:ext uri="{FF2B5EF4-FFF2-40B4-BE49-F238E27FC236}">
-                <a16:creationId xmlns:a16="http://schemas.microsoft.com/office/drawing/2014/main" id="{4B38CFE9-86CB-F1BB-4358-B52F40974390}"/>
+                <a16:creationId xmlns:a16="http://schemas.microsoft.com/office/drawing/2014/main" id="{5308EE4D-8440-D03B-1C9D-EFEB9E17D0F5}"/>
               </a:ext>
             </a:extLst>
           </p:cNvPr>
@@ -1434,7 +1434,7 @@
           <p:cNvPr id="7" name="灯片编号占位符 6">
             <a:extLst>
               <a:ext uri="{FF2B5EF4-FFF2-40B4-BE49-F238E27FC236}">
-                <a16:creationId xmlns:a16="http://schemas.microsoft.com/office/drawing/2014/main" id="{6FEA71C2-68EB-3880-E938-1DB504DE7EED}"/>
+                <a16:creationId xmlns:a16="http://schemas.microsoft.com/office/drawing/2014/main" id="{9657E248-D759-9577-0982-4C4DD3BD71B7}"/>
               </a:ext>
             </a:extLst>
           </p:cNvPr>
@@ -1450,7 +1450,7 @@
           <a:bodyPr/>
           <a:lstStyle/>
           <a:p>
-            <a:fld id="{00FECCB9-5A8D-4E49-8A97-EC03F3707EC4}" type="slidenum">
+            <a:fld id="{0E989BB3-9EFF-4389-9771-83A48B4A94C1}" type="slidenum">
               <a:rPr lang="zh-CN" altLang="en-US" smtClean="0"/>
               <a:t>‹#›</a:t>
             </a:fld>
@@ -1461,7 +1461,7 @@
     </p:spTree>
     <p:extLst>
       <p:ext uri="{BB962C8B-B14F-4D97-AF65-F5344CB8AC3E}">
-        <p14:creationId xmlns:p14="http://schemas.microsoft.com/office/powerpoint/2010/main" val="1474522181"/>
+        <p14:creationId xmlns:p14="http://schemas.microsoft.com/office/powerpoint/2010/main" val="3268560231"/>
       </p:ext>
     </p:extLst>
   </p:cSld>
@@ -1493,7 +1493,7 @@
           <p:cNvPr id="2" name="标题 1">
             <a:extLst>
               <a:ext uri="{FF2B5EF4-FFF2-40B4-BE49-F238E27FC236}">
-                <a16:creationId xmlns:a16="http://schemas.microsoft.com/office/drawing/2014/main" id="{07E97947-D544-40A5-7F23-52F51E9E580B}"/>
+                <a16:creationId xmlns:a16="http://schemas.microsoft.com/office/drawing/2014/main" id="{74344EEE-B4F9-F09C-43D8-86160D45EC61}"/>
               </a:ext>
             </a:extLst>
           </p:cNvPr>
@@ -1526,7 +1526,7 @@
           <p:cNvPr id="3" name="文本占位符 2">
             <a:extLst>
               <a:ext uri="{FF2B5EF4-FFF2-40B4-BE49-F238E27FC236}">
-                <a16:creationId xmlns:a16="http://schemas.microsoft.com/office/drawing/2014/main" id="{7BA8B1F4-52CC-D01F-E652-132A8DE3E02F}"/>
+                <a16:creationId xmlns:a16="http://schemas.microsoft.com/office/drawing/2014/main" id="{CEE76E00-E208-4F42-7E6E-BBCF80F50AF0}"/>
               </a:ext>
             </a:extLst>
           </p:cNvPr>
@@ -1597,7 +1597,7 @@
           <p:cNvPr id="4" name="内容占位符 3">
             <a:extLst>
               <a:ext uri="{FF2B5EF4-FFF2-40B4-BE49-F238E27FC236}">
-                <a16:creationId xmlns:a16="http://schemas.microsoft.com/office/drawing/2014/main" id="{3FB3F383-0A93-87F3-AAFF-34FD05847240}"/>
+                <a16:creationId xmlns:a16="http://schemas.microsoft.com/office/drawing/2014/main" id="{42C2664E-68C9-4490-DCC0-1FAD75B10BA3}"/>
               </a:ext>
             </a:extLst>
           </p:cNvPr>
@@ -1659,7 +1659,7 @@
           <p:cNvPr id="5" name="文本占位符 4">
             <a:extLst>
               <a:ext uri="{FF2B5EF4-FFF2-40B4-BE49-F238E27FC236}">
-                <a16:creationId xmlns:a16="http://schemas.microsoft.com/office/drawing/2014/main" id="{EE993422-B54B-D4A5-896D-25322090F2E6}"/>
+                <a16:creationId xmlns:a16="http://schemas.microsoft.com/office/drawing/2014/main" id="{06BA693D-E212-9237-3E70-FD990D44AD5E}"/>
               </a:ext>
             </a:extLst>
           </p:cNvPr>
@@ -1730,7 +1730,7 @@
           <p:cNvPr id="6" name="内容占位符 5">
             <a:extLst>
               <a:ext uri="{FF2B5EF4-FFF2-40B4-BE49-F238E27FC236}">
-                <a16:creationId xmlns:a16="http://schemas.microsoft.com/office/drawing/2014/main" id="{C5C91834-2961-D377-181F-BC13A7DA0C91}"/>
+                <a16:creationId xmlns:a16="http://schemas.microsoft.com/office/drawing/2014/main" id="{68972C83-D311-3707-DD4E-C9386B1A2600}"/>
               </a:ext>
             </a:extLst>
           </p:cNvPr>
@@ -1792,7 +1792,7 @@
           <p:cNvPr id="7" name="日期占位符 6">
             <a:extLst>
               <a:ext uri="{FF2B5EF4-FFF2-40B4-BE49-F238E27FC236}">
-                <a16:creationId xmlns:a16="http://schemas.microsoft.com/office/drawing/2014/main" id="{42975854-4602-48AB-38DB-11D5F4D436BC}"/>
+                <a16:creationId xmlns:a16="http://schemas.microsoft.com/office/drawing/2014/main" id="{E5EE29E8-7780-5129-F16C-862563A2BDAE}"/>
               </a:ext>
             </a:extLst>
           </p:cNvPr>
@@ -1808,7 +1808,7 @@
           <a:bodyPr/>
           <a:lstStyle/>
           <a:p>
-            <a:fld id="{4870EBCB-CFED-43BE-B437-905F8C795DEF}" type="datetimeFigureOut">
+            <a:fld id="{2584E5A7-E845-48B5-8128-FFE613E8CBDF}" type="datetimeFigureOut">
               <a:rPr lang="zh-CN" altLang="en-US" smtClean="0"/>
               <a:t>2024/3/10</a:t>
             </a:fld>
@@ -1821,7 +1821,7 @@
           <p:cNvPr id="8" name="页脚占位符 7">
             <a:extLst>
               <a:ext uri="{FF2B5EF4-FFF2-40B4-BE49-F238E27FC236}">
-                <a16:creationId xmlns:a16="http://schemas.microsoft.com/office/drawing/2014/main" id="{6A05A900-F228-DA74-5577-8C9840F8F1C7}"/>
+                <a16:creationId xmlns:a16="http://schemas.microsoft.com/office/drawing/2014/main" id="{2B143C23-5122-5E67-CC49-EEA25B29F6E1}"/>
               </a:ext>
             </a:extLst>
           </p:cNvPr>
@@ -1846,7 +1846,7 @@
           <p:cNvPr id="9" name="灯片编号占位符 8">
             <a:extLst>
               <a:ext uri="{FF2B5EF4-FFF2-40B4-BE49-F238E27FC236}">
-                <a16:creationId xmlns:a16="http://schemas.microsoft.com/office/drawing/2014/main" id="{7A72760B-9516-8167-9531-DA4554554BF8}"/>
+                <a16:creationId xmlns:a16="http://schemas.microsoft.com/office/drawing/2014/main" id="{C34454F9-ECCA-033C-4117-85D1B7F91B22}"/>
               </a:ext>
             </a:extLst>
           </p:cNvPr>
@@ -1862,7 +1862,7 @@
           <a:bodyPr/>
           <a:lstStyle/>
           <a:p>
-            <a:fld id="{00FECCB9-5A8D-4E49-8A97-EC03F3707EC4}" type="slidenum">
+            <a:fld id="{0E989BB3-9EFF-4389-9771-83A48B4A94C1}" type="slidenum">
               <a:rPr lang="zh-CN" altLang="en-US" smtClean="0"/>
               <a:t>‹#›</a:t>
             </a:fld>
@@ -1873,7 +1873,7 @@
     </p:spTree>
     <p:extLst>
       <p:ext uri="{BB962C8B-B14F-4D97-AF65-F5344CB8AC3E}">
-        <p14:creationId xmlns:p14="http://schemas.microsoft.com/office/powerpoint/2010/main" val="423025793"/>
+        <p14:creationId xmlns:p14="http://schemas.microsoft.com/office/powerpoint/2010/main" val="2163153796"/>
       </p:ext>
     </p:extLst>
   </p:cSld>
@@ -1905,7 +1905,7 @@
           <p:cNvPr id="2" name="标题 1">
             <a:extLst>
               <a:ext uri="{FF2B5EF4-FFF2-40B4-BE49-F238E27FC236}">
-                <a16:creationId xmlns:a16="http://schemas.microsoft.com/office/drawing/2014/main" id="{37001728-D486-C172-B2DF-93726580AF02}"/>
+                <a16:creationId xmlns:a16="http://schemas.microsoft.com/office/drawing/2014/main" id="{6B11A103-BFFE-DE62-E920-B0FA420DED70}"/>
               </a:ext>
             </a:extLst>
           </p:cNvPr>
@@ -1933,7 +1933,7 @@
           <p:cNvPr id="3" name="日期占位符 2">
             <a:extLst>
               <a:ext uri="{FF2B5EF4-FFF2-40B4-BE49-F238E27FC236}">
-                <a16:creationId xmlns:a16="http://schemas.microsoft.com/office/drawing/2014/main" id="{9EDBDDFD-AEB4-8103-EFB4-4DEC3CC417F0}"/>
+                <a16:creationId xmlns:a16="http://schemas.microsoft.com/office/drawing/2014/main" id="{CBEE683A-B821-5045-3693-E74B017FEE27}"/>
               </a:ext>
             </a:extLst>
           </p:cNvPr>
@@ -1949,7 +1949,7 @@
           <a:bodyPr/>
           <a:lstStyle/>
           <a:p>
-            <a:fld id="{4870EBCB-CFED-43BE-B437-905F8C795DEF}" type="datetimeFigureOut">
+            <a:fld id="{2584E5A7-E845-48B5-8128-FFE613E8CBDF}" type="datetimeFigureOut">
               <a:rPr lang="zh-CN" altLang="en-US" smtClean="0"/>
               <a:t>2024/3/10</a:t>
             </a:fld>
@@ -1962,7 +1962,7 @@
           <p:cNvPr id="4" name="页脚占位符 3">
             <a:extLst>
               <a:ext uri="{FF2B5EF4-FFF2-40B4-BE49-F238E27FC236}">
-                <a16:creationId xmlns:a16="http://schemas.microsoft.com/office/drawing/2014/main" id="{12C758C0-D09D-5FFF-E866-03B43D008426}"/>
+                <a16:creationId xmlns:a16="http://schemas.microsoft.com/office/drawing/2014/main" id="{756B0AA9-A724-1F9D-E529-B03B3E641694}"/>
               </a:ext>
             </a:extLst>
           </p:cNvPr>
@@ -1987,7 +1987,7 @@
           <p:cNvPr id="5" name="灯片编号占位符 4">
             <a:extLst>
               <a:ext uri="{FF2B5EF4-FFF2-40B4-BE49-F238E27FC236}">
-                <a16:creationId xmlns:a16="http://schemas.microsoft.com/office/drawing/2014/main" id="{2C4E4460-F0EC-95CD-332F-E29C39A066CC}"/>
+                <a16:creationId xmlns:a16="http://schemas.microsoft.com/office/drawing/2014/main" id="{99DA2439-AF49-B062-ABD9-FB8F3339D78A}"/>
               </a:ext>
             </a:extLst>
           </p:cNvPr>
@@ -2003,7 +2003,7 @@
           <a:bodyPr/>
           <a:lstStyle/>
           <a:p>
-            <a:fld id="{00FECCB9-5A8D-4E49-8A97-EC03F3707EC4}" type="slidenum">
+            <a:fld id="{0E989BB3-9EFF-4389-9771-83A48B4A94C1}" type="slidenum">
               <a:rPr lang="zh-CN" altLang="en-US" smtClean="0"/>
               <a:t>‹#›</a:t>
             </a:fld>
@@ -2014,7 +2014,7 @@
     </p:spTree>
     <p:extLst>
       <p:ext uri="{BB962C8B-B14F-4D97-AF65-F5344CB8AC3E}">
-        <p14:creationId xmlns:p14="http://schemas.microsoft.com/office/powerpoint/2010/main" val="3744705968"/>
+        <p14:creationId xmlns:p14="http://schemas.microsoft.com/office/powerpoint/2010/main" val="833634048"/>
       </p:ext>
     </p:extLst>
   </p:cSld>
@@ -2046,7 +2046,7 @@
           <p:cNvPr id="2" name="日期占位符 1">
             <a:extLst>
               <a:ext uri="{FF2B5EF4-FFF2-40B4-BE49-F238E27FC236}">
-                <a16:creationId xmlns:a16="http://schemas.microsoft.com/office/drawing/2014/main" id="{F78314C4-2C3E-92E7-99DF-763C4C8DA407}"/>
+                <a16:creationId xmlns:a16="http://schemas.microsoft.com/office/drawing/2014/main" id="{018BC81D-F80F-9DC4-0C62-6E166405B33C}"/>
               </a:ext>
             </a:extLst>
           </p:cNvPr>
@@ -2062,7 +2062,7 @@
           <a:bodyPr/>
           <a:lstStyle/>
           <a:p>
-            <a:fld id="{4870EBCB-CFED-43BE-B437-905F8C795DEF}" type="datetimeFigureOut">
+            <a:fld id="{2584E5A7-E845-48B5-8128-FFE613E8CBDF}" type="datetimeFigureOut">
               <a:rPr lang="zh-CN" altLang="en-US" smtClean="0"/>
               <a:t>2024/3/10</a:t>
             </a:fld>
@@ -2075,7 +2075,7 @@
           <p:cNvPr id="3" name="页脚占位符 2">
             <a:extLst>
               <a:ext uri="{FF2B5EF4-FFF2-40B4-BE49-F238E27FC236}">
-                <a16:creationId xmlns:a16="http://schemas.microsoft.com/office/drawing/2014/main" id="{73607CC9-3055-336B-2D55-5567B052523B}"/>
+                <a16:creationId xmlns:a16="http://schemas.microsoft.com/office/drawing/2014/main" id="{C9F92DF0-2CB3-E931-8729-83DAF4BBB9C8}"/>
               </a:ext>
             </a:extLst>
           </p:cNvPr>
@@ -2100,7 +2100,7 @@
           <p:cNvPr id="4" name="灯片编号占位符 3">
             <a:extLst>
               <a:ext uri="{FF2B5EF4-FFF2-40B4-BE49-F238E27FC236}">
-                <a16:creationId xmlns:a16="http://schemas.microsoft.com/office/drawing/2014/main" id="{EFD7B2B2-0A3E-2618-CCFF-90DF9244D2BA}"/>
+                <a16:creationId xmlns:a16="http://schemas.microsoft.com/office/drawing/2014/main" id="{CB0C2ED5-6DE2-9F29-9D2A-0E8B9B4A9627}"/>
               </a:ext>
             </a:extLst>
           </p:cNvPr>
@@ -2116,7 +2116,7 @@
           <a:bodyPr/>
           <a:lstStyle/>
           <a:p>
-            <a:fld id="{00FECCB9-5A8D-4E49-8A97-EC03F3707EC4}" type="slidenum">
+            <a:fld id="{0E989BB3-9EFF-4389-9771-83A48B4A94C1}" type="slidenum">
               <a:rPr lang="zh-CN" altLang="en-US" smtClean="0"/>
               <a:t>‹#›</a:t>
             </a:fld>
@@ -2127,7 +2127,7 @@
     </p:spTree>
     <p:extLst>
       <p:ext uri="{BB962C8B-B14F-4D97-AF65-F5344CB8AC3E}">
-        <p14:creationId xmlns:p14="http://schemas.microsoft.com/office/powerpoint/2010/main" val="2899722518"/>
+        <p14:creationId xmlns:p14="http://schemas.microsoft.com/office/powerpoint/2010/main" val="1235576786"/>
       </p:ext>
     </p:extLst>
   </p:cSld>
@@ -2159,7 +2159,7 @@
           <p:cNvPr id="2" name="标题 1">
             <a:extLst>
               <a:ext uri="{FF2B5EF4-FFF2-40B4-BE49-F238E27FC236}">
-                <a16:creationId xmlns:a16="http://schemas.microsoft.com/office/drawing/2014/main" id="{0C821555-F626-73F1-2676-B987C28073A8}"/>
+                <a16:creationId xmlns:a16="http://schemas.microsoft.com/office/drawing/2014/main" id="{0749E677-DE2A-0A97-B493-9C1DEA5801E9}"/>
               </a:ext>
             </a:extLst>
           </p:cNvPr>
@@ -2196,7 +2196,7 @@
           <p:cNvPr id="3" name="内容占位符 2">
             <a:extLst>
               <a:ext uri="{FF2B5EF4-FFF2-40B4-BE49-F238E27FC236}">
-                <a16:creationId xmlns:a16="http://schemas.microsoft.com/office/drawing/2014/main" id="{BA6C52FB-0B69-26B1-2222-179F8CFA9312}"/>
+                <a16:creationId xmlns:a16="http://schemas.microsoft.com/office/drawing/2014/main" id="{F99F2101-66FE-F456-28C0-AD65AF7332F8}"/>
               </a:ext>
             </a:extLst>
           </p:cNvPr>
@@ -2286,7 +2286,7 @@
           <p:cNvPr id="4" name="文本占位符 3">
             <a:extLst>
               <a:ext uri="{FF2B5EF4-FFF2-40B4-BE49-F238E27FC236}">
-                <a16:creationId xmlns:a16="http://schemas.microsoft.com/office/drawing/2014/main" id="{36039065-54E7-6BE6-10B9-3AD392EE0B4B}"/>
+                <a16:creationId xmlns:a16="http://schemas.microsoft.com/office/drawing/2014/main" id="{22969EA9-B145-6887-3F71-FFC6D55C7B4D}"/>
               </a:ext>
             </a:extLst>
           </p:cNvPr>
@@ -2357,7 +2357,7 @@
           <p:cNvPr id="5" name="日期占位符 4">
             <a:extLst>
               <a:ext uri="{FF2B5EF4-FFF2-40B4-BE49-F238E27FC236}">
-                <a16:creationId xmlns:a16="http://schemas.microsoft.com/office/drawing/2014/main" id="{588C25DA-3392-9FBB-75EF-A601BEDEE711}"/>
+                <a16:creationId xmlns:a16="http://schemas.microsoft.com/office/drawing/2014/main" id="{2C88E7C9-7C7C-3023-6458-7E508189EC0A}"/>
               </a:ext>
             </a:extLst>
           </p:cNvPr>
@@ -2373,7 +2373,7 @@
           <a:bodyPr/>
           <a:lstStyle/>
           <a:p>
-            <a:fld id="{4870EBCB-CFED-43BE-B437-905F8C795DEF}" type="datetimeFigureOut">
+            <a:fld id="{2584E5A7-E845-48B5-8128-FFE613E8CBDF}" type="datetimeFigureOut">
               <a:rPr lang="zh-CN" altLang="en-US" smtClean="0"/>
               <a:t>2024/3/10</a:t>
             </a:fld>
@@ -2386,7 +2386,7 @@
           <p:cNvPr id="6" name="页脚占位符 5">
             <a:extLst>
               <a:ext uri="{FF2B5EF4-FFF2-40B4-BE49-F238E27FC236}">
-                <a16:creationId xmlns:a16="http://schemas.microsoft.com/office/drawing/2014/main" id="{0FC07329-21B3-A6F7-694B-AC91BEE2C2C9}"/>
+                <a16:creationId xmlns:a16="http://schemas.microsoft.com/office/drawing/2014/main" id="{A0254CCA-8AB5-5E4A-6A33-5C34F5732F48}"/>
               </a:ext>
             </a:extLst>
           </p:cNvPr>
@@ -2411,7 +2411,7 @@
           <p:cNvPr id="7" name="灯片编号占位符 6">
             <a:extLst>
               <a:ext uri="{FF2B5EF4-FFF2-40B4-BE49-F238E27FC236}">
-                <a16:creationId xmlns:a16="http://schemas.microsoft.com/office/drawing/2014/main" id="{EA7E2719-C603-5B92-1D76-59FC1F901C98}"/>
+                <a16:creationId xmlns:a16="http://schemas.microsoft.com/office/drawing/2014/main" id="{051507BC-CDBD-32CF-4911-D033181D50DB}"/>
               </a:ext>
             </a:extLst>
           </p:cNvPr>
@@ -2427,7 +2427,7 @@
           <a:bodyPr/>
           <a:lstStyle/>
           <a:p>
-            <a:fld id="{00FECCB9-5A8D-4E49-8A97-EC03F3707EC4}" type="slidenum">
+            <a:fld id="{0E989BB3-9EFF-4389-9771-83A48B4A94C1}" type="slidenum">
               <a:rPr lang="zh-CN" altLang="en-US" smtClean="0"/>
               <a:t>‹#›</a:t>
             </a:fld>
@@ -2438,7 +2438,7 @@
     </p:spTree>
     <p:extLst>
       <p:ext uri="{BB962C8B-B14F-4D97-AF65-F5344CB8AC3E}">
-        <p14:creationId xmlns:p14="http://schemas.microsoft.com/office/powerpoint/2010/main" val="620162525"/>
+        <p14:creationId xmlns:p14="http://schemas.microsoft.com/office/powerpoint/2010/main" val="956200410"/>
       </p:ext>
     </p:extLst>
   </p:cSld>
@@ -2470,7 +2470,7 @@
           <p:cNvPr id="2" name="标题 1">
             <a:extLst>
               <a:ext uri="{FF2B5EF4-FFF2-40B4-BE49-F238E27FC236}">
-                <a16:creationId xmlns:a16="http://schemas.microsoft.com/office/drawing/2014/main" id="{9BCCEACB-B9C9-3A9A-F03C-4066BD25DF67}"/>
+                <a16:creationId xmlns:a16="http://schemas.microsoft.com/office/drawing/2014/main" id="{EC93A20C-0A50-56A3-B9C7-EF4F9AE54628}"/>
               </a:ext>
             </a:extLst>
           </p:cNvPr>
@@ -2507,7 +2507,7 @@
           <p:cNvPr id="3" name="图片占位符 2">
             <a:extLst>
               <a:ext uri="{FF2B5EF4-FFF2-40B4-BE49-F238E27FC236}">
-                <a16:creationId xmlns:a16="http://schemas.microsoft.com/office/drawing/2014/main" id="{7E97902B-1518-22E9-82CC-EDE8D22EE5B4}"/>
+                <a16:creationId xmlns:a16="http://schemas.microsoft.com/office/drawing/2014/main" id="{D20BADF0-577F-944F-7780-C3E998037272}"/>
               </a:ext>
             </a:extLst>
           </p:cNvPr>
@@ -2574,7 +2574,7 @@
           <p:cNvPr id="4" name="文本占位符 3">
             <a:extLst>
               <a:ext uri="{FF2B5EF4-FFF2-40B4-BE49-F238E27FC236}">
-                <a16:creationId xmlns:a16="http://schemas.microsoft.com/office/drawing/2014/main" id="{10EDB4C0-4904-4C7D-91F7-9F9C5AFAACB0}"/>
+                <a16:creationId xmlns:a16="http://schemas.microsoft.com/office/drawing/2014/main" id="{52FB6987-C338-6FB7-69C3-31B0126EDCCA}"/>
               </a:ext>
             </a:extLst>
           </p:cNvPr>
@@ -2645,7 +2645,7 @@
           <p:cNvPr id="5" name="日期占位符 4">
             <a:extLst>
               <a:ext uri="{FF2B5EF4-FFF2-40B4-BE49-F238E27FC236}">
-                <a16:creationId xmlns:a16="http://schemas.microsoft.com/office/drawing/2014/main" id="{5E8BB832-A544-E684-7D8E-04D34B08CAEB}"/>
+                <a16:creationId xmlns:a16="http://schemas.microsoft.com/office/drawing/2014/main" id="{3888C11C-3BAD-04A8-187F-F447714EEAA3}"/>
               </a:ext>
             </a:extLst>
           </p:cNvPr>
@@ -2661,7 +2661,7 @@
           <a:bodyPr/>
           <a:lstStyle/>
           <a:p>
-            <a:fld id="{4870EBCB-CFED-43BE-B437-905F8C795DEF}" type="datetimeFigureOut">
+            <a:fld id="{2584E5A7-E845-48B5-8128-FFE613E8CBDF}" type="datetimeFigureOut">
               <a:rPr lang="zh-CN" altLang="en-US" smtClean="0"/>
               <a:t>2024/3/10</a:t>
             </a:fld>
@@ -2674,7 +2674,7 @@
           <p:cNvPr id="6" name="页脚占位符 5">
             <a:extLst>
               <a:ext uri="{FF2B5EF4-FFF2-40B4-BE49-F238E27FC236}">
-                <a16:creationId xmlns:a16="http://schemas.microsoft.com/office/drawing/2014/main" id="{48586584-394D-359B-F42C-1CA4C11056F5}"/>
+                <a16:creationId xmlns:a16="http://schemas.microsoft.com/office/drawing/2014/main" id="{03711D2C-8BFD-47A4-5D55-1C01F65316A2}"/>
               </a:ext>
             </a:extLst>
           </p:cNvPr>
@@ -2699,7 +2699,7 @@
           <p:cNvPr id="7" name="灯片编号占位符 6">
             <a:extLst>
               <a:ext uri="{FF2B5EF4-FFF2-40B4-BE49-F238E27FC236}">
-                <a16:creationId xmlns:a16="http://schemas.microsoft.com/office/drawing/2014/main" id="{0C6953A6-B718-810A-E5BA-97E35689D3C5}"/>
+                <a16:creationId xmlns:a16="http://schemas.microsoft.com/office/drawing/2014/main" id="{27B72737-EB26-461F-0206-543E057CD86F}"/>
               </a:ext>
             </a:extLst>
           </p:cNvPr>
@@ -2715,7 +2715,7 @@
           <a:bodyPr/>
           <a:lstStyle/>
           <a:p>
-            <a:fld id="{00FECCB9-5A8D-4E49-8A97-EC03F3707EC4}" type="slidenum">
+            <a:fld id="{0E989BB3-9EFF-4389-9771-83A48B4A94C1}" type="slidenum">
               <a:rPr lang="zh-CN" altLang="en-US" smtClean="0"/>
               <a:t>‹#›</a:t>
             </a:fld>
@@ -2726,7 +2726,7 @@
     </p:spTree>
     <p:extLst>
       <p:ext uri="{BB962C8B-B14F-4D97-AF65-F5344CB8AC3E}">
-        <p14:creationId xmlns:p14="http://schemas.microsoft.com/office/powerpoint/2010/main" val="493573054"/>
+        <p14:creationId xmlns:p14="http://schemas.microsoft.com/office/powerpoint/2010/main" val="215943014"/>
       </p:ext>
     </p:extLst>
   </p:cSld>
@@ -2763,7 +2763,7 @@
           <p:cNvPr id="2" name="标题占位符 1">
             <a:extLst>
               <a:ext uri="{FF2B5EF4-FFF2-40B4-BE49-F238E27FC236}">
-                <a16:creationId xmlns:a16="http://schemas.microsoft.com/office/drawing/2014/main" id="{CDA57755-9343-BEC3-02BA-AFB49D635749}"/>
+                <a16:creationId xmlns:a16="http://schemas.microsoft.com/office/drawing/2014/main" id="{9B8EF401-D03B-3425-0DB8-E26DCE0D564D}"/>
               </a:ext>
             </a:extLst>
           </p:cNvPr>
@@ -2801,7 +2801,7 @@
           <p:cNvPr id="3" name="文本占位符 2">
             <a:extLst>
               <a:ext uri="{FF2B5EF4-FFF2-40B4-BE49-F238E27FC236}">
-                <a16:creationId xmlns:a16="http://schemas.microsoft.com/office/drawing/2014/main" id="{6161F0CA-BBE6-B00A-51A2-4B1F8FD50FCD}"/>
+                <a16:creationId xmlns:a16="http://schemas.microsoft.com/office/drawing/2014/main" id="{23E6283F-FB95-2ECB-2F7D-943FB2DDA7B2}"/>
               </a:ext>
             </a:extLst>
           </p:cNvPr>
@@ -2868,7 +2868,7 @@
           <p:cNvPr id="4" name="日期占位符 3">
             <a:extLst>
               <a:ext uri="{FF2B5EF4-FFF2-40B4-BE49-F238E27FC236}">
-                <a16:creationId xmlns:a16="http://schemas.microsoft.com/office/drawing/2014/main" id="{0FBC5F3C-AF16-6724-2887-F23569C9FD22}"/>
+                <a16:creationId xmlns:a16="http://schemas.microsoft.com/office/drawing/2014/main" id="{BC229BC9-4F1C-8478-A9A2-325BE6A4A33D}"/>
               </a:ext>
             </a:extLst>
           </p:cNvPr>
@@ -2902,7 +2902,7 @@
             </a:lvl1pPr>
           </a:lstStyle>
           <a:p>
-            <a:fld id="{4870EBCB-CFED-43BE-B437-905F8C795DEF}" type="datetimeFigureOut">
+            <a:fld id="{2584E5A7-E845-48B5-8128-FFE613E8CBDF}" type="datetimeFigureOut">
               <a:rPr lang="zh-CN" altLang="en-US" smtClean="0"/>
               <a:t>2024/3/10</a:t>
             </a:fld>
@@ -2915,7 +2915,7 @@
           <p:cNvPr id="5" name="页脚占位符 4">
             <a:extLst>
               <a:ext uri="{FF2B5EF4-FFF2-40B4-BE49-F238E27FC236}">
-                <a16:creationId xmlns:a16="http://schemas.microsoft.com/office/drawing/2014/main" id="{3824AF03-237D-7EDB-E059-25308E6A8ABC}"/>
+                <a16:creationId xmlns:a16="http://schemas.microsoft.com/office/drawing/2014/main" id="{8F1173B4-7122-5B76-8AD1-D1151F240EE7}"/>
               </a:ext>
             </a:extLst>
           </p:cNvPr>
@@ -2958,7 +2958,7 @@
           <p:cNvPr id="6" name="灯片编号占位符 5">
             <a:extLst>
               <a:ext uri="{FF2B5EF4-FFF2-40B4-BE49-F238E27FC236}">
-                <a16:creationId xmlns:a16="http://schemas.microsoft.com/office/drawing/2014/main" id="{19F343EE-2E88-0863-7CEB-04D16F83D38A}"/>
+                <a16:creationId xmlns:a16="http://schemas.microsoft.com/office/drawing/2014/main" id="{5A6A0CC7-957C-E6FE-D4CA-A7C420AAACFE}"/>
               </a:ext>
             </a:extLst>
           </p:cNvPr>
@@ -2992,7 +2992,7 @@
             </a:lvl1pPr>
           </a:lstStyle>
           <a:p>
-            <a:fld id="{00FECCB9-5A8D-4E49-8A97-EC03F3707EC4}" type="slidenum">
+            <a:fld id="{0E989BB3-9EFF-4389-9771-83A48B4A94C1}" type="slidenum">
               <a:rPr lang="zh-CN" altLang="en-US" smtClean="0"/>
               <a:t>‹#›</a:t>
             </a:fld>
@@ -3003,7 +3003,7 @@
     </p:spTree>
     <p:extLst>
       <p:ext uri="{BB962C8B-B14F-4D97-AF65-F5344CB8AC3E}">
-        <p14:creationId xmlns:p14="http://schemas.microsoft.com/office/powerpoint/2010/main" val="2460495537"/>
+        <p14:creationId xmlns:p14="http://schemas.microsoft.com/office/powerpoint/2010/main" val="3994271498"/>
       </p:ext>
     </p:extLst>
   </p:cSld>
